--- a/Fase1/Relatorio/Apresentação LI4.pptx
+++ b/Fase1/Relatorio/Apresentação LI4.pptx
@@ -117,6 +117,11 @@
       </a:defRPr>
     </a:lvl9pPr>
   </p:defaultTextStyle>
+  <p:extLst>
+    <p:ext uri="{EFAFB233-063F-42B5-8137-9DF3F51BA10A}">
+      <p15:sldGuideLst xmlns:p15="http://schemas.microsoft.com/office/powerpoint/2012/main"/>
+    </p:ext>
+  </p:extLst>
 </p:presentation>
 </file>
 
@@ -4362,6 +4367,34 @@
           <a:bodyPr/>
           <a:lstStyle/>
           <a:p>
+            <a:pPr lvl="0"/>
+            <a:r>
+              <a:rPr lang="pt-PT" dirty="0"/>
+              <a:t>Todas as etapas do projeto devem cumprir os prazos previamente estabelecidos. Com isto, poderemos ter noção se o projeto está a avançar, permitindo também gerir o tempo e os recursos;</a:t>
+            </a:r>
+          </a:p>
+          <a:p>
+            <a:pPr lvl="0"/>
+            <a:r>
+              <a:rPr lang="pt-PT" dirty="0"/>
+              <a:t>Cumprir todos os requisitos propostos;</a:t>
+            </a:r>
+          </a:p>
+          <a:p>
+            <a:pPr lvl="0"/>
+            <a:r>
+              <a:rPr lang="pt-PT" dirty="0"/>
+              <a:t>Desenvolvimento de uma aplicação segura e confiável;</a:t>
+            </a:r>
+          </a:p>
+          <a:p>
+            <a:pPr lvl="0"/>
+            <a:r>
+              <a:rPr lang="pt-PT" dirty="0"/>
+              <a:t>Obter um crescimento do número de clientes e utilizadores da aplicação no futuro, de modo a aumentar o lucro e talvez uma expansão da área de atuação da empresa;</a:t>
+            </a:r>
+          </a:p>
+          <a:p>
             <a:endParaRPr lang="pt-PT" dirty="0"/>
           </a:p>
         </p:txBody>
@@ -4424,31 +4457,35 @@
           </a:p>
         </p:txBody>
       </p:sp>
-      <p:sp>
-        <p:nvSpPr>
-          <p:cNvPr id="3" name="Marcador de Posição de Conteúdo 2">
+      <p:pic>
+        <p:nvPicPr>
+          <p:cNvPr id="5" name="Marcador de Posição de Conteúdo 4">
             <a:extLst>
               <a:ext uri="{FF2B5EF4-FFF2-40B4-BE49-F238E27FC236}">
-                <a16:creationId xmlns:a16="http://schemas.microsoft.com/office/drawing/2014/main" id="{67605349-B551-354C-9AD2-8A91111421F6}"/>
+                <a16:creationId xmlns:a16="http://schemas.microsoft.com/office/drawing/2014/main" id="{F875B9A0-5D5C-A747-88C3-80D95E96460C}"/>
               </a:ext>
             </a:extLst>
           </p:cNvPr>
-          <p:cNvSpPr>
-            <a:spLocks noGrp="1"/>
-          </p:cNvSpPr>
+          <p:cNvPicPr>
+            <a:picLocks noGrp="1" noChangeAspect="1"/>
+          </p:cNvPicPr>
           <p:nvPr>
             <p:ph idx="1"/>
           </p:nvPr>
-        </p:nvSpPr>
-        <p:spPr/>
-        <p:txBody>
-          <a:bodyPr/>
-          <a:lstStyle/>
-          <a:p>
-            <a:endParaRPr lang="pt-PT" dirty="0"/>
-          </a:p>
-        </p:txBody>
-      </p:sp>
+        </p:nvPicPr>
+        <p:blipFill>
+          <a:blip r:embed="rId2"/>
+          <a:stretch>
+            <a:fillRect/>
+          </a:stretch>
+        </p:blipFill>
+        <p:spPr>
+          <a:xfrm>
+            <a:off x="749793" y="1980497"/>
+            <a:ext cx="10601943" cy="3919941"/>
+          </a:xfrm>
+        </p:spPr>
+      </p:pic>
     </p:spTree>
     <p:extLst>
       <p:ext uri="{BB962C8B-B14F-4D97-AF65-F5344CB8AC3E}">

--- a/Fase1/Relatorio/Apresentação LI4.pptx
+++ b/Fase1/Relatorio/Apresentação LI4.pptx
@@ -5313,10 +5313,16 @@
             </a:r>
           </a:p>
           <a:p>
+            <a:endParaRPr lang="pt-PT" dirty="0"/>
+          </a:p>
+          <a:p>
             <a:r>
               <a:rPr lang="pt-PT" dirty="0"/>
               <a:t>Reduzir tempo para preparação do trabalho;</a:t>
             </a:r>
+          </a:p>
+          <a:p>
+            <a:endParaRPr lang="pt-PT" dirty="0"/>
           </a:p>
           <a:p>
             <a:r>

--- a/Fase1/Relatorio/Apresentação LI4.pptx
+++ b/Fase1/Relatorio/Apresentação LI4.pptx
@@ -264,7 +264,7 @@
           <a:p>
             <a:fld id="{54ADCF2C-A776-9840-9457-C95B203DA417}" type="datetimeFigureOut">
               <a:rPr lang="pt-PT" smtClean="0"/>
-              <a:t>04/03/18</a:t>
+              <a:t>13/03/18</a:t>
             </a:fld>
             <a:endParaRPr lang="pt-PT"/>
           </a:p>
@@ -475,7 +475,7 @@
           <a:p>
             <a:fld id="{54ADCF2C-A776-9840-9457-C95B203DA417}" type="datetimeFigureOut">
               <a:rPr lang="pt-PT" smtClean="0"/>
-              <a:t>04/03/18</a:t>
+              <a:t>13/03/18</a:t>
             </a:fld>
             <a:endParaRPr lang="pt-PT"/>
           </a:p>
@@ -690,7 +690,7 @@
           <a:p>
             <a:fld id="{54ADCF2C-A776-9840-9457-C95B203DA417}" type="datetimeFigureOut">
               <a:rPr lang="pt-PT" smtClean="0"/>
-              <a:t>04/03/18</a:t>
+              <a:t>13/03/18</a:t>
             </a:fld>
             <a:endParaRPr lang="pt-PT"/>
           </a:p>
@@ -891,7 +891,7 @@
           <a:p>
             <a:fld id="{54ADCF2C-A776-9840-9457-C95B203DA417}" type="datetimeFigureOut">
               <a:rPr lang="pt-PT" smtClean="0"/>
-              <a:t>04/03/18</a:t>
+              <a:t>13/03/18</a:t>
             </a:fld>
             <a:endParaRPr lang="pt-PT"/>
           </a:p>
@@ -1170,7 +1170,7 @@
           <a:p>
             <a:fld id="{54ADCF2C-A776-9840-9457-C95B203DA417}" type="datetimeFigureOut">
               <a:rPr lang="pt-PT" smtClean="0"/>
-              <a:t>04/03/18</a:t>
+              <a:t>13/03/18</a:t>
             </a:fld>
             <a:endParaRPr lang="pt-PT"/>
           </a:p>
@@ -1438,7 +1438,7 @@
           <a:p>
             <a:fld id="{54ADCF2C-A776-9840-9457-C95B203DA417}" type="datetimeFigureOut">
               <a:rPr lang="pt-PT" smtClean="0"/>
-              <a:t>04/03/18</a:t>
+              <a:t>13/03/18</a:t>
             </a:fld>
             <a:endParaRPr lang="pt-PT"/>
           </a:p>
@@ -1854,7 +1854,7 @@
           <a:p>
             <a:fld id="{54ADCF2C-A776-9840-9457-C95B203DA417}" type="datetimeFigureOut">
               <a:rPr lang="pt-PT" smtClean="0"/>
-              <a:t>04/03/18</a:t>
+              <a:t>13/03/18</a:t>
             </a:fld>
             <a:endParaRPr lang="pt-PT"/>
           </a:p>
@@ -2003,7 +2003,7 @@
           <a:p>
             <a:fld id="{54ADCF2C-A776-9840-9457-C95B203DA417}" type="datetimeFigureOut">
               <a:rPr lang="pt-PT" smtClean="0"/>
-              <a:t>04/03/18</a:t>
+              <a:t>13/03/18</a:t>
             </a:fld>
             <a:endParaRPr lang="pt-PT"/>
           </a:p>
@@ -2129,7 +2129,7 @@
           <a:p>
             <a:fld id="{54ADCF2C-A776-9840-9457-C95B203DA417}" type="datetimeFigureOut">
               <a:rPr lang="pt-PT" smtClean="0"/>
-              <a:t>04/03/18</a:t>
+              <a:t>13/03/18</a:t>
             </a:fld>
             <a:endParaRPr lang="pt-PT"/>
           </a:p>
@@ -2380,7 +2380,7 @@
           <a:p>
             <a:fld id="{54ADCF2C-A776-9840-9457-C95B203DA417}" type="datetimeFigureOut">
               <a:rPr lang="pt-PT" smtClean="0"/>
-              <a:t>04/03/18</a:t>
+              <a:t>13/03/18</a:t>
             </a:fld>
             <a:endParaRPr lang="pt-PT"/>
           </a:p>
@@ -2825,7 +2825,7 @@
           <a:p>
             <a:fld id="{54ADCF2C-A776-9840-9457-C95B203DA417}" type="datetimeFigureOut">
               <a:rPr lang="pt-PT" smtClean="0"/>
-              <a:t>04/03/18</a:t>
+              <a:t>13/03/18</a:t>
             </a:fld>
             <a:endParaRPr lang="pt-PT"/>
           </a:p>
@@ -3151,7 +3151,7 @@
           <a:p>
             <a:fld id="{54ADCF2C-A776-9840-9457-C95B203DA417}" type="datetimeFigureOut">
               <a:rPr lang="pt-PT" smtClean="0"/>
-              <a:t>04/03/18</a:t>
+              <a:t>13/03/18</a:t>
             </a:fld>
             <a:endParaRPr lang="pt-PT"/>
           </a:p>
@@ -5843,12 +5843,24 @@
               <a:t> A </a:t>
             </a:r>
             <a:r>
+              <a:rPr lang="pt-PT" i="1" dirty="0" err="1"/>
+              <a:t>Smart</a:t>
+            </a:r>
+            <a:r>
               <a:rPr lang="pt-PT" i="1" dirty="0"/>
-              <a:t>Sweet Home Painting</a:t>
-            </a:r>
-            <a:r>
-              <a:rPr lang="pt-PT" dirty="0"/>
-              <a:t> é uma aplicação que o vai ajudar quando precisar de dar outra alegria e cor ao seu lar; apenas precisa de ter o seu smartphone à mão e no momento a seguir poderá ter em sua casa um pintor certificado e preparado com as suas escolhas, de forma a dar a vivacidade e a mudança que pretende. No final, pode avaliar os nossos serviços e inclusive recomendar aos seus amigos através das suas redes sociais e efetuar o pagamento sem chatices, pois pode associar o seu cartão de crédito ao seu perfil de cliente. Não volte a aventurar-se no incerto e descarregue já a nossa aplicação.</a:t>
+              <a:t> </a:t>
+            </a:r>
+            <a:r>
+              <a:rPr lang="pt-PT" i="1"/>
+              <a:t>PAinting</a:t>
+            </a:r>
+            <a:r>
+              <a:rPr lang="pt-PT"/>
+              <a:t>é</a:t>
+            </a:r>
+            <a:r>
+              <a:rPr lang="pt-PT" dirty="0"/>
+              <a:t> uma aplicação que o vai ajudar quando precisar de dar outra alegria e cor ao seu lar; apenas precisa de ter o seu smartphone à mão e no momento a seguir poderá ter em sua casa um pintor certificado e preparado com as suas escolhas, de forma a dar a vivacidade e a mudança que pretende. No final, pode avaliar os nossos serviços e inclusive recomendar aos seus amigos através das suas redes sociais e efetuar o pagamento sem chatices, pois pode associar o seu cartão de crédito ao seu perfil de cliente. Não volte a aventurar-se no incerto e descarregue já a nossa aplicação.</a:t>
             </a:r>
           </a:p>
           <a:p>
